--- a/Assets/EduBridge.pptx
+++ b/Assets/EduBridge.pptx
@@ -11,8 +11,6 @@
     <p:sldId id="259" r:id="rId19"/>
     <p:sldId id="260" r:id="rId20"/>
     <p:sldId id="261" r:id="rId21"/>
-    <p:sldId id="262" r:id="rId22"/>
-    <p:sldId id="263" r:id="rId23"/>
   </p:sldIdLst>
   <p:sldSz cx="18288000" cy="10287000"/>
   <p:notesSz cx="6858000" cy="9144000"/>
@@ -3601,10 +3599,10 @@
         </p:nvGrpSpPr>
         <p:grpSpPr>
           <a:xfrm rot="0">
-            <a:off x="1028700" y="2397294"/>
-            <a:ext cx="9768230" cy="5607981"/>
+            <a:off x="1028700" y="3683169"/>
+            <a:ext cx="9768230" cy="3036231"/>
             <a:chOff x="0" y="0"/>
-            <a:chExt cx="13024306" cy="7477308"/>
+            <a:chExt cx="13024306" cy="4048308"/>
           </a:xfrm>
         </p:grpSpPr>
         <p:sp>
@@ -3654,7 +3652,7 @@
           <p:spPr>
             <a:xfrm rot="0">
               <a:off x="0" y="2031971"/>
-              <a:ext cx="12478551" cy="5445337"/>
+              <a:ext cx="12478551" cy="2016337"/>
             </a:xfrm>
             <a:prstGeom prst="rect">
               <a:avLst/>
@@ -3678,7 +3676,7 @@
                   </a:solidFill>
                   <a:latin typeface="Clear Sans Regular"/>
                 </a:rPr>
-                <a:t>Edu-Connect is a platform where education is redefined using a website to connect both teachers and students alike, creating a platform where interactions between the two are simplified using a database where the teachers are able to upload tasks to their dedicated courses and grade those tasks, and students are able to take courses, read the materials of all the courses, whilst also being able to submit their finished work.</a:t>
+                <a:t>EduBridge adalah Aplikasi Database Management untuk memonitoring siswa dan guru sehingga memudahkan para dalam manajemen database sekolah.</a:t>
               </a:r>
             </a:p>
           </p:txBody>
@@ -3725,7 +3723,7 @@
           <p:nvPr/>
         </p:nvGraphicFramePr>
         <p:xfrm>
-          <a:off x="1028700" y="642276"/>
+          <a:off x="5312738" y="444767"/>
           <a:ext cx="6123084" cy="1638300"/>
         </p:xfrm>
         <a:graphic>
@@ -3754,7 +3752,7 @@
                           </a:solidFill>
                           <a:latin typeface="Clear Sans Bold Bold"/>
                         </a:rPr>
-                        <a:t>Admin Flowchart</a:t>
+                        <a:t>Flowchart</a:t>
                       </a:r>
                       <a:endParaRPr lang="en-US" sz="1100"/>
                     </a:p>
@@ -3915,8 +3913,8 @@
         </p:nvSpPr>
         <p:spPr>
           <a:xfrm flipH="false" flipV="false" rot="0">
-            <a:off x="673927" y="2667779"/>
-            <a:ext cx="6832631" cy="6777677"/>
+            <a:off x="4756366" y="2308425"/>
+            <a:ext cx="7235829" cy="6684131"/>
           </a:xfrm>
           <a:custGeom>
             <a:avLst/>
@@ -3925,18 +3923,18 @@
             <a:cxnLst/>
             <a:rect r="r" b="b" t="t" l="l"/>
             <a:pathLst>
-              <a:path h="6777677" w="6832631">
+              <a:path h="6684131" w="7235829">
                 <a:moveTo>
                   <a:pt x="0" y="0"/>
                 </a:moveTo>
                 <a:lnTo>
-                  <a:pt x="6832631" y="0"/>
-                </a:lnTo>
-                <a:lnTo>
-                  <a:pt x="6832631" y="6777677"/>
-                </a:lnTo>
-                <a:lnTo>
-                  <a:pt x="0" y="6777677"/>
+                  <a:pt x="7235829" y="0"/>
+                </a:lnTo>
+                <a:lnTo>
+                  <a:pt x="7235829" y="6684131"/>
+                </a:lnTo>
+                <a:lnTo>
+                  <a:pt x="0" y="6684131"/>
                 </a:lnTo>
                 <a:lnTo>
                   <a:pt x="0" y="0"/>
@@ -3948,140 +3946,7 @@
           <a:blipFill>
             <a:blip r:embed="rId6"/>
             <a:stretch>
-              <a:fillRect l="0" t="0" r="0" b="0"/>
-            </a:stretch>
-          </a:blipFill>
-        </p:spPr>
-      </p:sp>
-      <p:graphicFrame>
-        <p:nvGraphicFramePr>
-          <p:cNvPr name="Table 6" id="6"/>
-          <p:cNvGraphicFramePr>
-            <a:graphicFrameLocks noGrp="true"/>
-          </p:cNvGraphicFramePr>
-          <p:nvPr/>
-        </p:nvGraphicFramePr>
-        <p:xfrm>
-          <a:off x="8461974" y="642276"/>
-          <a:ext cx="6787509" cy="1638300"/>
-        </p:xfrm>
-        <a:graphic>
-          <a:graphicData uri="http://schemas.openxmlformats.org/drawingml/2006/table">
-            <a:tbl>
-              <a:tblPr/>
-              <a:tblGrid>
-                <a:gridCol w="6787509"/>
-              </a:tblGrid>
-              <a:tr h="1638300">
-                <a:tc>
-                  <a:txBody>
-                    <a:bodyPr anchor="t" rtlCol="false"/>
-                    <a:lstStyle/>
-                    <a:p>
-                      <a:pPr algn="ctr">
-                        <a:lnSpc>
-                          <a:spcPts val="7840"/>
-                        </a:lnSpc>
-                        <a:defRPr/>
-                      </a:pPr>
-                      <a:r>
-                        <a:rPr lang="en-US" sz="5600">
-                          <a:solidFill>
-                            <a:srgbClr val="F7B4A7"/>
-                          </a:solidFill>
-                          <a:latin typeface="Clear Sans Bold Bold"/>
-                        </a:rPr>
-                        <a:t>Teacher Flowchart</a:t>
-                      </a:r>
-                      <a:endParaRPr lang="en-US" sz="1100"/>
-                    </a:p>
-                  </a:txBody>
-                  <a:tcPr marL="190500" marR="190500" marT="190500" marB="190500" anchor="ctr">
-                    <a:lnL cmpd="sng" algn="ctr" cap="flat" w="66675">
-                      <a:solidFill>
-                        <a:srgbClr val="2B4B82"/>
-                      </a:solidFill>
-                      <a:prstDash val="solid"/>
-                      <a:round/>
-                      <a:headEnd type="none" w="med" len="med"/>
-                      <a:tailEnd type="none" w="med" len="med"/>
-                    </a:lnL>
-                    <a:lnR cmpd="sng" algn="ctr" cap="flat" w="66675">
-                      <a:solidFill>
-                        <a:srgbClr val="2B4B82"/>
-                      </a:solidFill>
-                      <a:prstDash val="solid"/>
-                      <a:round/>
-                      <a:headEnd type="none" w="med" len="med"/>
-                      <a:tailEnd type="none" w="med" len="med"/>
-                    </a:lnR>
-                    <a:lnT cmpd="sng" algn="ctr" cap="flat" w="66675">
-                      <a:solidFill>
-                        <a:srgbClr val="2B4B82"/>
-                      </a:solidFill>
-                      <a:prstDash val="solid"/>
-                      <a:round/>
-                      <a:headEnd type="none" w="med" len="med"/>
-                      <a:tailEnd type="none" w="med" len="med"/>
-                    </a:lnT>
-                    <a:lnB cmpd="sng" algn="ctr" cap="flat" w="66675">
-                      <a:solidFill>
-                        <a:srgbClr val="2B4B82"/>
-                      </a:solidFill>
-                      <a:prstDash val="solid"/>
-                      <a:round/>
-                      <a:headEnd type="none" w="med" len="med"/>
-                      <a:tailEnd type="none" w="med" len="med"/>
-                    </a:lnB>
-                  </a:tcPr>
-                </a:tc>
-              </a:tr>
-            </a:tbl>
-          </a:graphicData>
-        </a:graphic>
-      </p:graphicFrame>
-      <p:sp>
-        <p:nvSpPr>
-          <p:cNvPr name="Freeform 7" id="7"/>
-          <p:cNvSpPr/>
-          <p:nvPr/>
-        </p:nvSpPr>
-        <p:spPr>
-          <a:xfrm flipH="false" flipV="false" rot="0">
-            <a:off x="8824401" y="2959959"/>
-            <a:ext cx="6062655" cy="6193316"/>
-          </a:xfrm>
-          <a:custGeom>
-            <a:avLst/>
-            <a:gdLst/>
-            <a:ahLst/>
-            <a:cxnLst/>
-            <a:rect r="r" b="b" t="t" l="l"/>
-            <a:pathLst>
-              <a:path h="6193316" w="6062655">
-                <a:moveTo>
-                  <a:pt x="0" y="0"/>
-                </a:moveTo>
-                <a:lnTo>
-                  <a:pt x="6062655" y="0"/>
-                </a:lnTo>
-                <a:lnTo>
-                  <a:pt x="6062655" y="6193316"/>
-                </a:lnTo>
-                <a:lnTo>
-                  <a:pt x="0" y="6193316"/>
-                </a:lnTo>
-                <a:lnTo>
-                  <a:pt x="0" y="0"/>
-                </a:lnTo>
-                <a:close/>
-              </a:path>
-            </a:pathLst>
-          </a:custGeom>
-          <a:blipFill>
-            <a:blip r:embed="rId7"/>
-            <a:stretch>
-              <a:fillRect l="0" t="0" r="0" b="0"/>
+              <a:fillRect l="0" t="-1658" r="0" b="-1658"/>
             </a:stretch>
           </a:blipFill>
         </p:spPr>
@@ -4095,275 +3960,6 @@
 </file>
 
 <file path=ppt/slides/slide4.xml><?xml version="1.0" encoding="utf-8"?>
-<p:sld xmlns:p="http://schemas.openxmlformats.org/presentationml/2006/main" xmlns:a="http://schemas.openxmlformats.org/drawingml/2006/main" xmlns:r="http://schemas.openxmlformats.org/officeDocument/2006/relationships">
-  <p:cSld>
-    <p:bg>
-      <p:bgPr>
-        <a:solidFill>
-          <a:srgbClr val="94DDDE"/>
-        </a:solidFill>
-      </p:bgPr>
-    </p:bg>
-    <p:spTree>
-      <p:nvGrpSpPr>
-        <p:cNvPr id="1" name=""/>
-        <p:cNvGrpSpPr/>
-        <p:nvPr/>
-      </p:nvGrpSpPr>
-      <p:grpSpPr>
-        <a:xfrm>
-          <a:off x="0" y="0"/>
-          <a:ext cx="0" cy="0"/>
-          <a:chOff x="0" y="0"/>
-          <a:chExt cx="0" cy="0"/>
-        </a:xfrm>
-      </p:grpSpPr>
-      <p:graphicFrame>
-        <p:nvGraphicFramePr>
-          <p:cNvPr name="Table 2" id="2"/>
-          <p:cNvGraphicFramePr>
-            <a:graphicFrameLocks noGrp="true"/>
-          </p:cNvGraphicFramePr>
-          <p:nvPr/>
-        </p:nvGraphicFramePr>
-        <p:xfrm>
-          <a:off x="1395279" y="4324350"/>
-          <a:ext cx="7199910" cy="1638300"/>
-        </p:xfrm>
-        <a:graphic>
-          <a:graphicData uri="http://schemas.openxmlformats.org/drawingml/2006/table">
-            <a:tbl>
-              <a:tblPr/>
-              <a:tblGrid>
-                <a:gridCol w="7199910"/>
-              </a:tblGrid>
-              <a:tr h="1638300">
-                <a:tc>
-                  <a:txBody>
-                    <a:bodyPr anchor="t" rtlCol="false"/>
-                    <a:lstStyle/>
-                    <a:p>
-                      <a:pPr algn="ctr">
-                        <a:lnSpc>
-                          <a:spcPts val="7840"/>
-                        </a:lnSpc>
-                        <a:defRPr/>
-                      </a:pPr>
-                      <a:r>
-                        <a:rPr lang="en-US" sz="5600">
-                          <a:solidFill>
-                            <a:srgbClr val="F7B4A7"/>
-                          </a:solidFill>
-                          <a:latin typeface="Clear Sans Bold"/>
-                        </a:rPr>
-                        <a:t>Student Flowchart</a:t>
-                      </a:r>
-                      <a:endParaRPr lang="en-US" sz="1100"/>
-                    </a:p>
-                  </a:txBody>
-                  <a:tcPr marL="190500" marR="190500" marT="190500" marB="190500" anchor="ctr">
-                    <a:lnL cmpd="sng" algn="ctr" cap="flat" w="66675">
-                      <a:solidFill>
-                        <a:srgbClr val="2B4B82"/>
-                      </a:solidFill>
-                      <a:prstDash val="solid"/>
-                      <a:round/>
-                      <a:headEnd type="none" w="med" len="med"/>
-                      <a:tailEnd type="none" w="med" len="med"/>
-                    </a:lnL>
-                    <a:lnR cmpd="sng" algn="ctr" cap="flat" w="66675">
-                      <a:solidFill>
-                        <a:srgbClr val="2B4B82"/>
-                      </a:solidFill>
-                      <a:prstDash val="solid"/>
-                      <a:round/>
-                      <a:headEnd type="none" w="med" len="med"/>
-                      <a:tailEnd type="none" w="med" len="med"/>
-                    </a:lnR>
-                    <a:lnT cmpd="sng" algn="ctr" cap="flat" w="66675">
-                      <a:solidFill>
-                        <a:srgbClr val="2B4B82"/>
-                      </a:solidFill>
-                      <a:prstDash val="solid"/>
-                      <a:round/>
-                      <a:headEnd type="none" w="med" len="med"/>
-                      <a:tailEnd type="none" w="med" len="med"/>
-                    </a:lnT>
-                    <a:lnB cmpd="sng" algn="ctr" cap="flat" w="66675">
-                      <a:solidFill>
-                        <a:srgbClr val="2B4B82"/>
-                      </a:solidFill>
-                      <a:prstDash val="solid"/>
-                      <a:round/>
-                      <a:headEnd type="none" w="med" len="med"/>
-                      <a:tailEnd type="none" w="med" len="med"/>
-                    </a:lnB>
-                  </a:tcPr>
-                </a:tc>
-              </a:tr>
-            </a:tbl>
-          </a:graphicData>
-        </a:graphic>
-      </p:graphicFrame>
-      <p:sp>
-        <p:nvSpPr>
-          <p:cNvPr name="Freeform 3" id="3"/>
-          <p:cNvSpPr/>
-          <p:nvPr/>
-        </p:nvSpPr>
-        <p:spPr>
-          <a:xfrm flipH="false" flipV="false" rot="0">
-            <a:off x="15249483" y="-2351024"/>
-            <a:ext cx="5357753" cy="5591583"/>
-          </a:xfrm>
-          <a:custGeom>
-            <a:avLst/>
-            <a:gdLst/>
-            <a:ahLst/>
-            <a:cxnLst/>
-            <a:rect r="r" b="b" t="t" l="l"/>
-            <a:pathLst>
-              <a:path h="5591583" w="5357753">
-                <a:moveTo>
-                  <a:pt x="0" y="0"/>
-                </a:moveTo>
-                <a:lnTo>
-                  <a:pt x="5357753" y="0"/>
-                </a:lnTo>
-                <a:lnTo>
-                  <a:pt x="5357753" y="5591583"/>
-                </a:lnTo>
-                <a:lnTo>
-                  <a:pt x="0" y="5591583"/>
-                </a:lnTo>
-                <a:lnTo>
-                  <a:pt x="0" y="0"/>
-                </a:lnTo>
-                <a:close/>
-              </a:path>
-            </a:pathLst>
-          </a:custGeom>
-          <a:blipFill>
-            <a:blip r:embed="rId2">
-              <a:extLst>
-                <a:ext uri="{96DAC541-7B7A-43D3-8B79-37D633B846F1}">
-                  <asvg:svgBlip xmlns:asvg="http://schemas.microsoft.com/office/drawing/2016/SVG/main" r:embed="rId3"/>
-                </a:ext>
-              </a:extLst>
-            </a:blip>
-            <a:stretch>
-              <a:fillRect l="0" t="0" r="0" b="0"/>
-            </a:stretch>
-          </a:blipFill>
-        </p:spPr>
-      </p:sp>
-      <p:sp>
-        <p:nvSpPr>
-          <p:cNvPr name="Freeform 4" id="4"/>
-          <p:cNvSpPr/>
-          <p:nvPr/>
-        </p:nvSpPr>
-        <p:spPr>
-          <a:xfrm flipH="true" flipV="false" rot="305840">
-            <a:off x="-191855" y="9082286"/>
-            <a:ext cx="2076668" cy="1276207"/>
-          </a:xfrm>
-          <a:custGeom>
-            <a:avLst/>
-            <a:gdLst/>
-            <a:ahLst/>
-            <a:cxnLst/>
-            <a:rect r="r" b="b" t="t" l="l"/>
-            <a:pathLst>
-              <a:path h="1276207" w="2076668">
-                <a:moveTo>
-                  <a:pt x="2076668" y="0"/>
-                </a:moveTo>
-                <a:lnTo>
-                  <a:pt x="0" y="0"/>
-                </a:lnTo>
-                <a:lnTo>
-                  <a:pt x="0" y="1276208"/>
-                </a:lnTo>
-                <a:lnTo>
-                  <a:pt x="2076668" y="1276208"/>
-                </a:lnTo>
-                <a:lnTo>
-                  <a:pt x="2076668" y="0"/>
-                </a:lnTo>
-                <a:close/>
-              </a:path>
-            </a:pathLst>
-          </a:custGeom>
-          <a:blipFill>
-            <a:blip r:embed="rId4">
-              <a:extLst>
-                <a:ext uri="{96DAC541-7B7A-43D3-8B79-37D633B846F1}">
-                  <asvg:svgBlip xmlns:asvg="http://schemas.microsoft.com/office/drawing/2016/SVG/main" r:embed="rId5"/>
-                </a:ext>
-              </a:extLst>
-            </a:blip>
-            <a:stretch>
-              <a:fillRect l="0" t="0" r="0" b="0"/>
-            </a:stretch>
-          </a:blipFill>
-        </p:spPr>
-      </p:sp>
-      <p:sp>
-        <p:nvSpPr>
-          <p:cNvPr name="Freeform 5" id="5"/>
-          <p:cNvSpPr/>
-          <p:nvPr/>
-        </p:nvSpPr>
-        <p:spPr>
-          <a:xfrm flipH="false" flipV="false" rot="0">
-            <a:off x="9367639" y="286699"/>
-            <a:ext cx="6966217" cy="9713603"/>
-          </a:xfrm>
-          <a:custGeom>
-            <a:avLst/>
-            <a:gdLst/>
-            <a:ahLst/>
-            <a:cxnLst/>
-            <a:rect r="r" b="b" t="t" l="l"/>
-            <a:pathLst>
-              <a:path h="9713603" w="6966217">
-                <a:moveTo>
-                  <a:pt x="0" y="0"/>
-                </a:moveTo>
-                <a:lnTo>
-                  <a:pt x="6966218" y="0"/>
-                </a:lnTo>
-                <a:lnTo>
-                  <a:pt x="6966218" y="9713602"/>
-                </a:lnTo>
-                <a:lnTo>
-                  <a:pt x="0" y="9713602"/>
-                </a:lnTo>
-                <a:lnTo>
-                  <a:pt x="0" y="0"/>
-                </a:lnTo>
-                <a:close/>
-              </a:path>
-            </a:pathLst>
-          </a:custGeom>
-          <a:blipFill>
-            <a:blip r:embed="rId6"/>
-            <a:stretch>
-              <a:fillRect l="0" t="0" r="0" b="0"/>
-            </a:stretch>
-          </a:blipFill>
-        </p:spPr>
-      </p:sp>
-    </p:spTree>
-  </p:cSld>
-  <p:clrMapOvr>
-    <a:masterClrMapping/>
-  </p:clrMapOvr>
-</p:sld>
-</file>
-
-<file path=ppt/slides/slide5.xml><?xml version="1.0" encoding="utf-8"?>
 <p:sld xmlns:p="http://schemas.openxmlformats.org/presentationml/2006/main" xmlns:a="http://schemas.openxmlformats.org/drawingml/2006/main" xmlns:r="http://schemas.openxmlformats.org/officeDocument/2006/relationships">
   <p:cSld>
     <p:bg>
@@ -4481,52 +4077,6 @@
           <p:nvPr/>
         </p:nvSpPr>
         <p:spPr>
-          <a:xfrm flipH="false" flipV="false" rot="0">
-            <a:off x="3889370" y="2806105"/>
-            <a:ext cx="10509260" cy="7196729"/>
-          </a:xfrm>
-          <a:custGeom>
-            <a:avLst/>
-            <a:gdLst/>
-            <a:ahLst/>
-            <a:cxnLst/>
-            <a:rect r="r" b="b" t="t" l="l"/>
-            <a:pathLst>
-              <a:path h="7196729" w="10509260">
-                <a:moveTo>
-                  <a:pt x="0" y="0"/>
-                </a:moveTo>
-                <a:lnTo>
-                  <a:pt x="10509260" y="0"/>
-                </a:lnTo>
-                <a:lnTo>
-                  <a:pt x="10509260" y="7196729"/>
-                </a:lnTo>
-                <a:lnTo>
-                  <a:pt x="0" y="7196729"/>
-                </a:lnTo>
-                <a:lnTo>
-                  <a:pt x="0" y="0"/>
-                </a:lnTo>
-                <a:close/>
-              </a:path>
-            </a:pathLst>
-          </a:custGeom>
-          <a:blipFill>
-            <a:blip r:embed="rId2"/>
-            <a:stretch>
-              <a:fillRect l="0" t="0" r="0" b="0"/>
-            </a:stretch>
-          </a:blipFill>
-        </p:spPr>
-      </p:sp>
-      <p:sp>
-        <p:nvSpPr>
-          <p:cNvPr name="Freeform 4" id="4"/>
-          <p:cNvSpPr/>
-          <p:nvPr/>
-        </p:nvSpPr>
-        <p:spPr>
           <a:xfrm flipH="false" flipV="false" rot="518903">
             <a:off x="14586173" y="-149971"/>
             <a:ext cx="4597438" cy="2842053"/>
@@ -4559,10 +4109,10 @@
             </a:pathLst>
           </a:custGeom>
           <a:blipFill>
-            <a:blip r:embed="rId3">
+            <a:blip r:embed="rId2">
               <a:extLst>
                 <a:ext uri="{96DAC541-7B7A-43D3-8B79-37D633B846F1}">
-                  <asvg:svgBlip xmlns:asvg="http://schemas.microsoft.com/office/drawing/2016/SVG/main" r:embed="rId4"/>
+                  <asvg:svgBlip xmlns:asvg="http://schemas.microsoft.com/office/drawing/2016/SVG/main" r:embed="rId3"/>
                 </a:ext>
               </a:extLst>
             </a:blip>
@@ -4574,7 +4124,7 @@
       </p:sp>
       <p:sp>
         <p:nvSpPr>
-          <p:cNvPr name="Freeform 5" id="5"/>
+          <p:cNvPr name="Freeform 4" id="4"/>
           <p:cNvSpPr/>
           <p:nvPr/>
         </p:nvSpPr>
@@ -4611,10 +4161,10 @@
             </a:pathLst>
           </a:custGeom>
           <a:blipFill>
-            <a:blip r:embed="rId5">
+            <a:blip r:embed="rId4">
               <a:extLst>
                 <a:ext uri="{96DAC541-7B7A-43D3-8B79-37D633B846F1}">
-                  <asvg:svgBlip xmlns:asvg="http://schemas.microsoft.com/office/drawing/2016/SVG/main" r:embed="rId6"/>
+                  <asvg:svgBlip xmlns:asvg="http://schemas.microsoft.com/office/drawing/2016/SVG/main" r:embed="rId5"/>
                 </a:ext>
               </a:extLst>
             </a:blip>
@@ -4624,6 +4174,52 @@
           </a:blipFill>
         </p:spPr>
       </p:sp>
+      <p:sp>
+        <p:nvSpPr>
+          <p:cNvPr name="Freeform 5" id="5"/>
+          <p:cNvSpPr/>
+          <p:nvPr/>
+        </p:nvSpPr>
+        <p:spPr>
+          <a:xfrm flipH="false" flipV="false" rot="0">
+            <a:off x="3127693" y="3371775"/>
+            <a:ext cx="12032615" cy="5289810"/>
+          </a:xfrm>
+          <a:custGeom>
+            <a:avLst/>
+            <a:gdLst/>
+            <a:ahLst/>
+            <a:cxnLst/>
+            <a:rect r="r" b="b" t="t" l="l"/>
+            <a:pathLst>
+              <a:path h="5289810" w="12032615">
+                <a:moveTo>
+                  <a:pt x="0" y="0"/>
+                </a:moveTo>
+                <a:lnTo>
+                  <a:pt x="12032614" y="0"/>
+                </a:lnTo>
+                <a:lnTo>
+                  <a:pt x="12032614" y="5289810"/>
+                </a:lnTo>
+                <a:lnTo>
+                  <a:pt x="0" y="5289810"/>
+                </a:lnTo>
+                <a:lnTo>
+                  <a:pt x="0" y="0"/>
+                </a:lnTo>
+                <a:close/>
+              </a:path>
+            </a:pathLst>
+          </a:custGeom>
+          <a:blipFill>
+            <a:blip r:embed="rId6"/>
+            <a:stretch>
+              <a:fillRect l="0" t="0" r="0" b="0"/>
+            </a:stretch>
+          </a:blipFill>
+        </p:spPr>
+      </p:sp>
     </p:spTree>
   </p:cSld>
   <p:clrMapOvr>
@@ -4632,7 +4228,7 @@
 </p:sld>
 </file>
 
-<file path=ppt/slides/slide6.xml><?xml version="1.0" encoding="utf-8"?>
+<file path=ppt/slides/slide5.xml><?xml version="1.0" encoding="utf-8"?>
 <p:sld xmlns:p="http://schemas.openxmlformats.org/presentationml/2006/main" xmlns:a="http://schemas.openxmlformats.org/drawingml/2006/main" xmlns:r="http://schemas.openxmlformats.org/officeDocument/2006/relationships">
   <p:cSld>
     <p:bg>
@@ -4974,8 +4570,8 @@
         </p:nvSpPr>
         <p:spPr>
           <a:xfrm flipH="false" flipV="false" rot="0">
-            <a:off x="681801" y="3021584"/>
-            <a:ext cx="16924399" cy="5528637"/>
+            <a:off x="3080971" y="2667779"/>
+            <a:ext cx="12126058" cy="6814005"/>
           </a:xfrm>
           <a:custGeom>
             <a:avLst/>
@@ -4984,18 +4580,18 @@
             <a:cxnLst/>
             <a:rect r="r" b="b" t="t" l="l"/>
             <a:pathLst>
-              <a:path h="5528637" w="16924399">
+              <a:path h="6814005" w="12126058">
                 <a:moveTo>
                   <a:pt x="0" y="0"/>
                 </a:moveTo>
                 <a:lnTo>
-                  <a:pt x="16924398" y="0"/>
-                </a:lnTo>
-                <a:lnTo>
-                  <a:pt x="16924398" y="5528637"/>
-                </a:lnTo>
-                <a:lnTo>
-                  <a:pt x="0" y="5528637"/>
+                  <a:pt x="12126058" y="0"/>
+                </a:lnTo>
+                <a:lnTo>
+                  <a:pt x="12126058" y="6814005"/>
+                </a:lnTo>
+                <a:lnTo>
+                  <a:pt x="0" y="6814005"/>
                 </a:lnTo>
                 <a:lnTo>
                   <a:pt x="0" y="0"/>
@@ -5020,573 +4616,13 @@
 </p:sld>
 </file>
 
-<file path=ppt/slides/slide7.xml><?xml version="1.0" encoding="utf-8"?>
-<p:sld xmlns:p="http://schemas.openxmlformats.org/presentationml/2006/main" xmlns:a="http://schemas.openxmlformats.org/drawingml/2006/main">
+<file path=ppt/slides/slide6.xml><?xml version="1.0" encoding="utf-8"?>
+<p:sld xmlns:p="http://schemas.openxmlformats.org/presentationml/2006/main" xmlns:a="http://schemas.openxmlformats.org/drawingml/2006/main" xmlns:r="http://schemas.openxmlformats.org/officeDocument/2006/relationships">
   <p:cSld>
     <p:bg>
       <p:bgPr>
         <a:solidFill>
           <a:srgbClr val="2B4B82"/>
-        </a:solidFill>
-      </p:bgPr>
-    </p:bg>
-    <p:spTree>
-      <p:nvGrpSpPr>
-        <p:cNvPr id="1" name=""/>
-        <p:cNvGrpSpPr/>
-        <p:nvPr/>
-      </p:nvGrpSpPr>
-      <p:grpSpPr>
-        <a:xfrm>
-          <a:off x="0" y="0"/>
-          <a:ext cx="0" cy="0"/>
-          <a:chOff x="0" y="0"/>
-          <a:chExt cx="0" cy="0"/>
-        </a:xfrm>
-      </p:grpSpPr>
-      <p:graphicFrame>
-        <p:nvGraphicFramePr>
-          <p:cNvPr name="Table 2" id="2"/>
-          <p:cNvGraphicFramePr>
-            <a:graphicFrameLocks noGrp="true"/>
-          </p:cNvGraphicFramePr>
-          <p:nvPr/>
-        </p:nvGraphicFramePr>
-        <p:xfrm>
-          <a:off x="7773623" y="1058285"/>
-          <a:ext cx="9485677" cy="7995780"/>
-        </p:xfrm>
-        <a:graphic>
-          <a:graphicData uri="http://schemas.openxmlformats.org/drawingml/2006/table">
-            <a:tbl>
-              <a:tblPr/>
-              <a:tblGrid>
-                <a:gridCol w="9485677"/>
-              </a:tblGrid>
-              <a:tr h="1060390">
-                <a:tc>
-                  <a:txBody>
-                    <a:bodyPr anchor="t" rtlCol="false"/>
-                    <a:lstStyle/>
-                    <a:p>
-                      <a:pPr algn="l">
-                        <a:lnSpc>
-                          <a:spcPts val="3919"/>
-                        </a:lnSpc>
-                        <a:defRPr/>
-                      </a:pPr>
-                      <a:r>
-                        <a:rPr lang="en-US" sz="2799">
-                          <a:solidFill>
-                            <a:srgbClr val="F7B4A7"/>
-                          </a:solidFill>
-                          <a:latin typeface="Clear Sans Bold Bold"/>
-                        </a:rPr>
-                        <a:t>Allows for a more personalized learning experience</a:t>
-                      </a:r>
-                      <a:endParaRPr lang="en-US" sz="1100"/>
-                    </a:p>
-                  </a:txBody>
-                  <a:tcPr marL="190500" marR="190500" marT="190500" marB="190500" anchor="ctr">
-                    <a:lnL cmpd="sng" algn="ctr" cap="flat" w="47625">
-                      <a:solidFill>
-                        <a:srgbClr val="2B4B82"/>
-                      </a:solidFill>
-                      <a:prstDash val="solid"/>
-                      <a:round/>
-                      <a:headEnd type="none" w="med" len="med"/>
-                      <a:tailEnd type="none" w="med" len="med"/>
-                    </a:lnL>
-                    <a:lnR cmpd="sng" algn="ctr" cap="flat" w="47625">
-                      <a:solidFill>
-                        <a:srgbClr val="2B4B82"/>
-                      </a:solidFill>
-                      <a:prstDash val="solid"/>
-                      <a:round/>
-                      <a:headEnd type="none" w="med" len="med"/>
-                      <a:tailEnd type="none" w="med" len="med"/>
-                    </a:lnR>
-                    <a:lnT cmpd="sng" algn="ctr" cap="flat" w="47625">
-                      <a:solidFill>
-                        <a:srgbClr val="2B4B82"/>
-                      </a:solidFill>
-                      <a:prstDash val="solid"/>
-                      <a:round/>
-                      <a:headEnd type="none" w="med" len="med"/>
-                      <a:tailEnd type="none" w="med" len="med"/>
-                    </a:lnT>
-                    <a:lnB cmpd="sng" algn="ctr" cap="flat" w="47625">
-                      <a:solidFill>
-                        <a:srgbClr val="2B4B82"/>
-                      </a:solidFill>
-                      <a:prstDash val="solid"/>
-                      <a:round/>
-                      <a:headEnd type="none" w="med" len="med"/>
-                      <a:tailEnd type="none" w="med" len="med"/>
-                    </a:lnB>
-                  </a:tcPr>
-                </a:tc>
-              </a:tr>
-              <a:tr h="1743937">
-                <a:tc>
-                  <a:txBody>
-                    <a:bodyPr anchor="t" rtlCol="false"/>
-                    <a:lstStyle/>
-                    <a:p>
-                      <a:pPr algn="l">
-                        <a:lnSpc>
-                          <a:spcPts val="3359"/>
-                        </a:lnSpc>
-                        <a:defRPr/>
-                      </a:pPr>
-                      <a:r>
-                        <a:rPr lang="en-US" sz="2400">
-                          <a:solidFill>
-                            <a:srgbClr val="FEFEFE"/>
-                          </a:solidFill>
-                          <a:latin typeface="Clear Sans Regular"/>
-                        </a:rPr>
-                        <a:t>Students have more freedom to choose the methods and tools that help them learn best.</a:t>
-                      </a:r>
-                      <a:endParaRPr lang="en-US" sz="1100"/>
-                    </a:p>
-                    <a:p>
-                      <a:pPr>
-                        <a:lnSpc>
-                          <a:spcPts val="3359"/>
-                        </a:lnSpc>
-                      </a:pPr>
-                    </a:p>
-                  </a:txBody>
-                  <a:tcPr marL="190500" marR="190500" marT="190500" marB="190500" anchor="ctr">
-                    <a:lnL cmpd="sng" algn="ctr" cap="flat" w="47625">
-                      <a:solidFill>
-                        <a:srgbClr val="2B4B82"/>
-                      </a:solidFill>
-                      <a:prstDash val="solid"/>
-                      <a:round/>
-                      <a:headEnd type="none" w="med" len="med"/>
-                      <a:tailEnd type="none" w="med" len="med"/>
-                    </a:lnL>
-                    <a:lnR cmpd="sng" algn="ctr" cap="flat" w="47625">
-                      <a:solidFill>
-                        <a:srgbClr val="2B4B82"/>
-                      </a:solidFill>
-                      <a:prstDash val="solid"/>
-                      <a:round/>
-                      <a:headEnd type="none" w="med" len="med"/>
-                      <a:tailEnd type="none" w="med" len="med"/>
-                    </a:lnR>
-                    <a:lnT cmpd="sng" algn="ctr" cap="flat" w="47625">
-                      <a:solidFill>
-                        <a:srgbClr val="2B4B82"/>
-                      </a:solidFill>
-                      <a:prstDash val="solid"/>
-                      <a:round/>
-                      <a:headEnd type="none" w="med" len="med"/>
-                      <a:tailEnd type="none" w="med" len="med"/>
-                    </a:lnT>
-                    <a:lnB cmpd="sng" algn="ctr" cap="flat" w="19050">
-                      <a:solidFill>
-                        <a:srgbClr val="FEFEFE"/>
-                      </a:solidFill>
-                      <a:prstDash val="solid"/>
-                      <a:round/>
-                      <a:headEnd type="none" w="med" len="med"/>
-                      <a:tailEnd type="none" w="med" len="med"/>
-                    </a:lnB>
-                  </a:tcPr>
-                </a:tc>
-              </a:tr>
-              <a:tr h="1069589">
-                <a:tc>
-                  <a:txBody>
-                    <a:bodyPr anchor="t" rtlCol="false"/>
-                    <a:lstStyle/>
-                    <a:p>
-                      <a:pPr algn="l">
-                        <a:lnSpc>
-                          <a:spcPts val="3919"/>
-                        </a:lnSpc>
-                        <a:defRPr/>
-                      </a:pPr>
-                      <a:r>
-                        <a:rPr lang="en-US" sz="2799">
-                          <a:solidFill>
-                            <a:srgbClr val="F7B4A7"/>
-                          </a:solidFill>
-                          <a:latin typeface="Clear Sans Bold Bold"/>
-                        </a:rPr>
-                        <a:t>Improves students' communication skills</a:t>
-                      </a:r>
-                      <a:endParaRPr lang="en-US" sz="1100"/>
-                    </a:p>
-                  </a:txBody>
-                  <a:tcPr marL="190500" marR="190500" marT="190500" marB="190500" anchor="ctr">
-                    <a:lnL cmpd="sng" algn="ctr" cap="flat" w="47625">
-                      <a:solidFill>
-                        <a:srgbClr val="2B4B82"/>
-                      </a:solidFill>
-                      <a:prstDash val="solid"/>
-                      <a:round/>
-                      <a:headEnd type="none" w="med" len="med"/>
-                      <a:tailEnd type="none" w="med" len="med"/>
-                    </a:lnL>
-                    <a:lnR cmpd="sng" algn="ctr" cap="flat" w="47625">
-                      <a:solidFill>
-                        <a:srgbClr val="2B4B82"/>
-                      </a:solidFill>
-                      <a:prstDash val="solid"/>
-                      <a:round/>
-                      <a:headEnd type="none" w="med" len="med"/>
-                      <a:tailEnd type="none" w="med" len="med"/>
-                    </a:lnR>
-                    <a:lnT cmpd="sng" algn="ctr" cap="flat" w="19050">
-                      <a:solidFill>
-                        <a:srgbClr val="FEFEFE"/>
-                      </a:solidFill>
-                      <a:prstDash val="solid"/>
-                      <a:round/>
-                      <a:headEnd type="none" w="med" len="med"/>
-                      <a:tailEnd type="none" w="med" len="med"/>
-                    </a:lnT>
-                    <a:lnB cmpd="sng" algn="ctr" cap="flat" w="47625">
-                      <a:solidFill>
-                        <a:srgbClr val="2B4B82"/>
-                      </a:solidFill>
-                      <a:prstDash val="solid"/>
-                      <a:round/>
-                      <a:headEnd type="none" w="med" len="med"/>
-                      <a:tailEnd type="none" w="med" len="med"/>
-                    </a:lnB>
-                  </a:tcPr>
-                </a:tc>
-              </a:tr>
-              <a:tr h="1743937">
-                <a:tc>
-                  <a:txBody>
-                    <a:bodyPr anchor="t" rtlCol="false"/>
-                    <a:lstStyle/>
-                    <a:p>
-                      <a:pPr algn="l">
-                        <a:lnSpc>
-                          <a:spcPts val="3359"/>
-                        </a:lnSpc>
-                        <a:defRPr/>
-                      </a:pPr>
-                      <a:r>
-                        <a:rPr lang="en-US" sz="2400">
-                          <a:solidFill>
-                            <a:srgbClr val="FEFEFE"/>
-                          </a:solidFill>
-                          <a:latin typeface="Clear Sans Regular"/>
-                        </a:rPr>
-                        <a:t>Students have access to different channels where they can communicate and collaborate with teachers and fellow students.</a:t>
-                      </a:r>
-                      <a:endParaRPr lang="en-US" sz="1100"/>
-                    </a:p>
-                    <a:p>
-                      <a:pPr>
-                        <a:lnSpc>
-                          <a:spcPts val="3359"/>
-                        </a:lnSpc>
-                      </a:pPr>
-                    </a:p>
-                  </a:txBody>
-                  <a:tcPr marL="190500" marR="190500" marT="190500" marB="190500" anchor="ctr">
-                    <a:lnL cmpd="sng" algn="ctr" cap="flat" w="47625">
-                      <a:solidFill>
-                        <a:srgbClr val="2B4B82"/>
-                      </a:solidFill>
-                      <a:prstDash val="solid"/>
-                      <a:round/>
-                      <a:headEnd type="none" w="med" len="med"/>
-                      <a:tailEnd type="none" w="med" len="med"/>
-                    </a:lnL>
-                    <a:lnR cmpd="sng" algn="ctr" cap="flat" w="47625">
-                      <a:solidFill>
-                        <a:srgbClr val="2B4B82"/>
-                      </a:solidFill>
-                      <a:prstDash val="solid"/>
-                      <a:round/>
-                      <a:headEnd type="none" w="med" len="med"/>
-                      <a:tailEnd type="none" w="med" len="med"/>
-                    </a:lnR>
-                    <a:lnT cmpd="sng" algn="ctr" cap="flat" w="47625">
-                      <a:solidFill>
-                        <a:srgbClr val="2B4B82"/>
-                      </a:solidFill>
-                      <a:prstDash val="solid"/>
-                      <a:round/>
-                      <a:headEnd type="none" w="med" len="med"/>
-                      <a:tailEnd type="none" w="med" len="med"/>
-                    </a:lnT>
-                    <a:lnB cmpd="sng" algn="ctr" cap="flat" w="19050">
-                      <a:solidFill>
-                        <a:srgbClr val="FEFEFE"/>
-                      </a:solidFill>
-                      <a:prstDash val="solid"/>
-                      <a:round/>
-                      <a:headEnd type="none" w="med" len="med"/>
-                      <a:tailEnd type="none" w="med" len="med"/>
-                    </a:lnB>
-                  </a:tcPr>
-                </a:tc>
-              </a:tr>
-              <a:tr h="1046017">
-                <a:tc>
-                  <a:txBody>
-                    <a:bodyPr anchor="t" rtlCol="false"/>
-                    <a:lstStyle/>
-                    <a:p>
-                      <a:pPr algn="l">
-                        <a:lnSpc>
-                          <a:spcPts val="3919"/>
-                        </a:lnSpc>
-                        <a:defRPr/>
-                      </a:pPr>
-                      <a:r>
-                        <a:rPr lang="en-US" sz="2799">
-                          <a:solidFill>
-                            <a:srgbClr val="F7B4A7"/>
-                          </a:solidFill>
-                          <a:latin typeface="Clear Sans Bold Bold"/>
-                        </a:rPr>
-                        <a:t>Helps students prepare for the future</a:t>
-                      </a:r>
-                      <a:endParaRPr lang="en-US" sz="1100"/>
-                    </a:p>
-                  </a:txBody>
-                  <a:tcPr marL="190500" marR="190500" marT="190500" marB="190500" anchor="ctr">
-                    <a:lnL cmpd="sng" algn="ctr" cap="flat" w="47625">
-                      <a:solidFill>
-                        <a:srgbClr val="2B4B82"/>
-                      </a:solidFill>
-                      <a:prstDash val="solid"/>
-                      <a:round/>
-                      <a:headEnd type="none" w="med" len="med"/>
-                      <a:tailEnd type="none" w="med" len="med"/>
-                    </a:lnL>
-                    <a:lnR cmpd="sng" algn="ctr" cap="flat" w="47625">
-                      <a:solidFill>
-                        <a:srgbClr val="2B4B82"/>
-                      </a:solidFill>
-                      <a:prstDash val="solid"/>
-                      <a:round/>
-                      <a:headEnd type="none" w="med" len="med"/>
-                      <a:tailEnd type="none" w="med" len="med"/>
-                    </a:lnR>
-                    <a:lnT cmpd="sng" algn="ctr" cap="flat" w="19050">
-                      <a:solidFill>
-                        <a:srgbClr val="FEFEFE"/>
-                      </a:solidFill>
-                      <a:prstDash val="solid"/>
-                      <a:round/>
-                      <a:headEnd type="none" w="med" len="med"/>
-                      <a:tailEnd type="none" w="med" len="med"/>
-                    </a:lnT>
-                    <a:lnB cmpd="sng" algn="ctr" cap="flat" w="47625">
-                      <a:solidFill>
-                        <a:srgbClr val="2B4B82"/>
-                      </a:solidFill>
-                      <a:prstDash val="solid"/>
-                      <a:round/>
-                      <a:headEnd type="none" w="med" len="med"/>
-                      <a:tailEnd type="none" w="med" len="med"/>
-                    </a:lnB>
-                  </a:tcPr>
-                </a:tc>
-              </a:tr>
-              <a:tr h="1331908">
-                <a:tc>
-                  <a:txBody>
-                    <a:bodyPr anchor="t" rtlCol="false"/>
-                    <a:lstStyle/>
-                    <a:p>
-                      <a:pPr algn="l">
-                        <a:lnSpc>
-                          <a:spcPts val="3359"/>
-                        </a:lnSpc>
-                        <a:defRPr/>
-                      </a:pPr>
-                      <a:r>
-                        <a:rPr lang="en-US" sz="2400">
-                          <a:solidFill>
-                            <a:srgbClr val="FEFEFE"/>
-                          </a:solidFill>
-                          <a:latin typeface="Clear Sans Regular"/>
-                        </a:rPr>
-                        <a:t>Students become equipped to face a highly technological future and will be able to easily adapt.</a:t>
-                      </a:r>
-                      <a:endParaRPr lang="en-US" sz="1100"/>
-                    </a:p>
-                  </a:txBody>
-                  <a:tcPr marL="190500" marR="190500" marT="190500" marB="190500" anchor="ctr">
-                    <a:lnL cmpd="sng" algn="ctr" cap="flat" w="47625">
-                      <a:solidFill>
-                        <a:srgbClr val="2B4B82"/>
-                      </a:solidFill>
-                      <a:prstDash val="solid"/>
-                      <a:round/>
-                      <a:headEnd type="none" w="med" len="med"/>
-                      <a:tailEnd type="none" w="med" len="med"/>
-                    </a:lnL>
-                    <a:lnR cmpd="sng" algn="ctr" cap="flat" w="47625">
-                      <a:solidFill>
-                        <a:srgbClr val="2B4B82"/>
-                      </a:solidFill>
-                      <a:prstDash val="solid"/>
-                      <a:round/>
-                      <a:headEnd type="none" w="med" len="med"/>
-                      <a:tailEnd type="none" w="med" len="med"/>
-                    </a:lnR>
-                    <a:lnT cmpd="sng" algn="ctr" cap="flat" w="47625">
-                      <a:solidFill>
-                        <a:srgbClr val="2B4B82"/>
-                      </a:solidFill>
-                      <a:prstDash val="solid"/>
-                      <a:round/>
-                      <a:headEnd type="none" w="med" len="med"/>
-                      <a:tailEnd type="none" w="med" len="med"/>
-                    </a:lnT>
-                    <a:lnB cmpd="sng" algn="ctr" cap="flat" w="47625">
-                      <a:solidFill>
-                        <a:srgbClr val="2B4B82"/>
-                      </a:solidFill>
-                      <a:prstDash val="solid"/>
-                      <a:round/>
-                      <a:headEnd type="none" w="med" len="med"/>
-                      <a:tailEnd type="none" w="med" len="med"/>
-                    </a:lnB>
-                  </a:tcPr>
-                </a:tc>
-              </a:tr>
-            </a:tbl>
-          </a:graphicData>
-        </a:graphic>
-      </p:graphicFrame>
-      <p:grpSp>
-        <p:nvGrpSpPr>
-          <p:cNvPr name="Group 3" id="3"/>
-          <p:cNvGrpSpPr/>
-          <p:nvPr/>
-        </p:nvGrpSpPr>
-        <p:grpSpPr>
-          <a:xfrm rot="0">
-            <a:off x="1187452" y="1394747"/>
-            <a:ext cx="5772591" cy="3077304"/>
-            <a:chOff x="0" y="0"/>
-            <a:chExt cx="7696787" cy="4103071"/>
-          </a:xfrm>
-        </p:grpSpPr>
-        <p:sp>
-          <p:nvSpPr>
-            <p:cNvPr name="TextBox 4" id="4"/>
-            <p:cNvSpPr txBox="true"/>
-            <p:nvPr/>
-          </p:nvSpPr>
-          <p:spPr>
-            <a:xfrm rot="0">
-              <a:off x="0" y="85725"/>
-              <a:ext cx="7696787" cy="2337435"/>
-            </a:xfrm>
-            <a:prstGeom prst="rect">
-              <a:avLst/>
-            </a:prstGeom>
-          </p:spPr>
-          <p:txBody>
-            <a:bodyPr anchor="t" rtlCol="false" tIns="0" lIns="0" bIns="0" rIns="0">
-              <a:spAutoFit/>
-            </a:bodyPr>
-            <a:lstStyle/>
-            <a:p>
-              <a:pPr>
-                <a:lnSpc>
-                  <a:spcPts val="6719"/>
-                </a:lnSpc>
-              </a:pPr>
-              <a:r>
-                <a:rPr lang="en-US" sz="6399">
-                  <a:solidFill>
-                    <a:srgbClr val="94DDDE"/>
-                  </a:solidFill>
-                  <a:latin typeface="Clear Sans Bold Bold"/>
-                </a:rPr>
-                <a:t>Benefits </a:t>
-              </a:r>
-            </a:p>
-            <a:p>
-              <a:pPr>
-                <a:lnSpc>
-                  <a:spcPts val="6719"/>
-                </a:lnSpc>
-              </a:pPr>
-              <a:r>
-                <a:rPr lang="en-US" sz="6399">
-                  <a:solidFill>
-                    <a:srgbClr val="94DDDE"/>
-                  </a:solidFill>
-                  <a:latin typeface="Clear Sans Bold Bold"/>
-                </a:rPr>
-                <a:t>to Students</a:t>
-              </a:r>
-            </a:p>
-          </p:txBody>
-        </p:sp>
-        <p:sp>
-          <p:nvSpPr>
-            <p:cNvPr name="TextBox 5" id="5"/>
-            <p:cNvSpPr txBox="true"/>
-            <p:nvPr/>
-          </p:nvSpPr>
-          <p:spPr>
-            <a:xfrm rot="0">
-              <a:off x="0" y="2772535"/>
-              <a:ext cx="5972555" cy="1330537"/>
-            </a:xfrm>
-            <a:prstGeom prst="rect">
-              <a:avLst/>
-            </a:prstGeom>
-          </p:spPr>
-          <p:txBody>
-            <a:bodyPr anchor="t" rtlCol="false" tIns="0" lIns="0" bIns="0" rIns="0">
-              <a:spAutoFit/>
-            </a:bodyPr>
-            <a:lstStyle/>
-            <a:p>
-              <a:pPr>
-                <a:lnSpc>
-                  <a:spcPts val="4060"/>
-                </a:lnSpc>
-              </a:pPr>
-              <a:r>
-                <a:rPr lang="en-US" sz="2900">
-                  <a:solidFill>
-                    <a:srgbClr val="94DDDE"/>
-                  </a:solidFill>
-                  <a:latin typeface="Clear Sans Regular"/>
-                </a:rPr>
-                <a:t>HOW OUR WEBSITE HELPS STUDENTS LEARN</a:t>
-              </a:r>
-            </a:p>
-          </p:txBody>
-        </p:sp>
-      </p:grpSp>
-    </p:spTree>
-  </p:cSld>
-  <p:clrMapOvr>
-    <a:masterClrMapping/>
-  </p:clrMapOvr>
-</p:sld>
-</file>
-
-<file path=ppt/slides/slide8.xml><?xml version="1.0" encoding="utf-8"?>
-<p:sld xmlns:p="http://schemas.openxmlformats.org/presentationml/2006/main" xmlns:a="http://schemas.openxmlformats.org/drawingml/2006/main" xmlns:r="http://schemas.openxmlformats.org/officeDocument/2006/relationships">
-  <p:cSld>
-    <p:bg>
-      <p:bgPr>
-        <a:solidFill>
-          <a:srgbClr val="94DDDE"/>
         </a:solidFill>
       </p:bgPr>
     </p:bg>
@@ -5612,10 +4648,10 @@
         </p:nvGrpSpPr>
         <p:grpSpPr>
           <a:xfrm rot="0">
-            <a:off x="1519387" y="3415563"/>
-            <a:ext cx="7312717" cy="3181249"/>
+            <a:off x="9144000" y="3333880"/>
+            <a:ext cx="8217084" cy="2132444"/>
             <a:chOff x="0" y="0"/>
-            <a:chExt cx="9750289" cy="4241665"/>
+            <a:chExt cx="10956112" cy="2843258"/>
           </a:xfrm>
         </p:grpSpPr>
         <p:sp>
@@ -5626,8 +4662,8 @@
           </p:nvSpPr>
           <p:spPr>
             <a:xfrm rot="0">
-              <a:off x="0" y="190500"/>
-              <a:ext cx="9750289" cy="2701714"/>
+              <a:off x="0" y="1368999"/>
+              <a:ext cx="10956112" cy="1474259"/>
             </a:xfrm>
             <a:prstGeom prst="rect">
               <a:avLst/>
@@ -5641,17 +4677,17 @@
             <a:p>
               <a:pPr>
                 <a:lnSpc>
-                  <a:spcPts val="7520"/>
+                  <a:spcPts val="8000"/>
                 </a:lnSpc>
               </a:pPr>
               <a:r>
-                <a:rPr lang="en-US" sz="8000" spc="-88">
+                <a:rPr lang="en-US" sz="8000">
                   <a:solidFill>
-                    <a:srgbClr val="2B4B82"/>
+                    <a:srgbClr val="F7B4A7"/>
                   </a:solidFill>
-                  <a:latin typeface="Clear Sans Bold"/>
+                  <a:latin typeface="Clear Sans Bold Bold"/>
                 </a:rPr>
-                <a:t>Do you have any questions?</a:t>
+                <a:t>Thank You</a:t>
               </a:r>
             </a:p>
           </p:txBody>
@@ -5664,8 +4700,8 @@
           </p:nvSpPr>
           <p:spPr>
             <a:xfrm rot="0">
-              <a:off x="0" y="3490037"/>
-              <a:ext cx="9750289" cy="751628"/>
+              <a:off x="0" y="-47625"/>
+              <a:ext cx="10956112" cy="525145"/>
             </a:xfrm>
             <a:prstGeom prst="rect">
               <a:avLst/>
@@ -5679,18 +4715,9 @@
             <a:p>
               <a:pPr>
                 <a:lnSpc>
-                  <a:spcPts val="4759"/>
+                  <a:spcPts val="3359"/>
                 </a:lnSpc>
               </a:pPr>
-              <a:r>
-                <a:rPr lang="en-US" sz="3399">
-                  <a:solidFill>
-                    <a:srgbClr val="2B4B82"/>
-                  </a:solidFill>
-                  <a:latin typeface="Clear Sans Regular"/>
-                </a:rPr>
-                <a:t>QnA :D</a:t>
-              </a:r>
             </a:p>
           </p:txBody>
         </p:sp>
@@ -5703,8 +4730,8 @@
         </p:nvSpPr>
         <p:spPr>
           <a:xfrm flipH="false" flipV="false" rot="0">
-            <a:off x="9854137" y="3018272"/>
-            <a:ext cx="7411325" cy="4635447"/>
+            <a:off x="1182834" y="-1921745"/>
+            <a:ext cx="6755642" cy="4114800"/>
           </a:xfrm>
           <a:custGeom>
             <a:avLst/>
@@ -5713,18 +4740,18 @@
             <a:cxnLst/>
             <a:rect r="r" b="b" t="t" l="l"/>
             <a:pathLst>
-              <a:path h="4635447" w="7411325">
+              <a:path h="4114800" w="6755642">
                 <a:moveTo>
                   <a:pt x="0" y="0"/>
                 </a:moveTo>
                 <a:lnTo>
-                  <a:pt x="7411325" y="0"/>
-                </a:lnTo>
-                <a:lnTo>
-                  <a:pt x="7411325" y="4635447"/>
-                </a:lnTo>
-                <a:lnTo>
-                  <a:pt x="0" y="4635447"/>
+                  <a:pt x="6755642" y="0"/>
+                </a:lnTo>
+                <a:lnTo>
+                  <a:pt x="6755642" y="4114800"/>
+                </a:lnTo>
+                <a:lnTo>
+                  <a:pt x="0" y="4114800"/>
                 </a:lnTo>
                 <a:lnTo>
                   <a:pt x="0" y="0"/>
@@ -5755,8 +4782,8 @@
         </p:nvSpPr>
         <p:spPr>
           <a:xfrm flipH="false" flipV="false" rot="0">
-            <a:off x="8665100" y="8613636"/>
-            <a:ext cx="4338720" cy="2713672"/>
+            <a:off x="6303834" y="1790711"/>
+            <a:ext cx="1194327" cy="2586142"/>
           </a:xfrm>
           <a:custGeom>
             <a:avLst/>
@@ -5765,18 +4792,18 @@
             <a:cxnLst/>
             <a:rect r="r" b="b" t="t" l="l"/>
             <a:pathLst>
-              <a:path h="2713672" w="4338720">
+              <a:path h="2586142" w="1194327">
                 <a:moveTo>
                   <a:pt x="0" y="0"/>
                 </a:moveTo>
                 <a:lnTo>
-                  <a:pt x="4338720" y="0"/>
-                </a:lnTo>
-                <a:lnTo>
-                  <a:pt x="4338720" y="2713671"/>
-                </a:lnTo>
-                <a:lnTo>
-                  <a:pt x="0" y="2713671"/>
+                  <a:pt x="1194327" y="0"/>
+                </a:lnTo>
+                <a:lnTo>
+                  <a:pt x="1194327" y="2586142"/>
+                </a:lnTo>
+                <a:lnTo>
+                  <a:pt x="0" y="2586142"/>
                 </a:lnTo>
                 <a:lnTo>
                   <a:pt x="0" y="0"/>
@@ -5786,10 +4813,10 @@
             </a:pathLst>
           </a:custGeom>
           <a:blipFill>
-            <a:blip r:embed="rId2">
+            <a:blip r:embed="rId4">
               <a:extLst>
                 <a:ext uri="{96DAC541-7B7A-43D3-8B79-37D633B846F1}">
-                  <asvg:svgBlip xmlns:asvg="http://schemas.microsoft.com/office/drawing/2016/SVG/main" r:embed="rId3"/>
+                  <asvg:svgBlip xmlns:asvg="http://schemas.microsoft.com/office/drawing/2016/SVG/main" r:embed="rId5"/>
                 </a:ext>
               </a:extLst>
             </a:blip>
@@ -5806,9 +4833,9 @@
           <p:nvPr/>
         </p:nvSpPr>
         <p:spPr>
-          <a:xfrm flipH="false" flipV="false" rot="0">
-            <a:off x="13976014" y="7483497"/>
-            <a:ext cx="3289448" cy="2057400"/>
+          <a:xfrm flipH="true" flipV="false" rot="0">
+            <a:off x="2095190" y="2021154"/>
+            <a:ext cx="5357753" cy="5591583"/>
           </a:xfrm>
           <a:custGeom>
             <a:avLst/>
@@ -5817,31 +4844,31 @@
             <a:cxnLst/>
             <a:rect r="r" b="b" t="t" l="l"/>
             <a:pathLst>
-              <a:path h="2057400" w="3289448">
+              <a:path h="5591583" w="5357753">
                 <a:moveTo>
+                  <a:pt x="5357753" y="0"/>
+                </a:moveTo>
+                <a:lnTo>
                   <a:pt x="0" y="0"/>
-                </a:moveTo>
-                <a:lnTo>
-                  <a:pt x="3289448" y="0"/>
-                </a:lnTo>
-                <a:lnTo>
-                  <a:pt x="3289448" y="2057400"/>
-                </a:lnTo>
-                <a:lnTo>
-                  <a:pt x="0" y="2057400"/>
-                </a:lnTo>
-                <a:lnTo>
-                  <a:pt x="0" y="0"/>
+                </a:lnTo>
+                <a:lnTo>
+                  <a:pt x="0" y="5591582"/>
+                </a:lnTo>
+                <a:lnTo>
+                  <a:pt x="5357753" y="5591582"/>
+                </a:lnTo>
+                <a:lnTo>
+                  <a:pt x="5357753" y="0"/>
                 </a:lnTo>
                 <a:close/>
               </a:path>
             </a:pathLst>
           </a:custGeom>
           <a:blipFill>
-            <a:blip r:embed="rId2">
+            <a:blip r:embed="rId6">
               <a:extLst>
                 <a:ext uri="{96DAC541-7B7A-43D3-8B79-37D633B846F1}">
-                  <asvg:svgBlip xmlns:asvg="http://schemas.microsoft.com/office/drawing/2016/SVG/main" r:embed="rId3"/>
+                  <asvg:svgBlip xmlns:asvg="http://schemas.microsoft.com/office/drawing/2016/SVG/main" r:embed="rId7"/>
                 </a:ext>
               </a:extLst>
             </a:blip>
@@ -5859,8 +4886,8 @@
         </p:nvSpPr>
         <p:spPr>
           <a:xfrm flipH="false" flipV="false" rot="0">
-            <a:off x="13320348" y="712171"/>
-            <a:ext cx="3289448" cy="2057400"/>
+            <a:off x="-947148" y="1264426"/>
+            <a:ext cx="3144039" cy="2440918"/>
           </a:xfrm>
           <a:custGeom>
             <a:avLst/>
@@ -5869,18 +4896,18 @@
             <a:cxnLst/>
             <a:rect r="r" b="b" t="t" l="l"/>
             <a:pathLst>
-              <a:path h="2057400" w="3289448">
+              <a:path h="2440918" w="3144039">
                 <a:moveTo>
                   <a:pt x="0" y="0"/>
                 </a:moveTo>
                 <a:lnTo>
-                  <a:pt x="3289448" y="0"/>
-                </a:lnTo>
-                <a:lnTo>
-                  <a:pt x="3289448" y="2057400"/>
-                </a:lnTo>
-                <a:lnTo>
-                  <a:pt x="0" y="2057400"/>
+                  <a:pt x="3144040" y="0"/>
+                </a:lnTo>
+                <a:lnTo>
+                  <a:pt x="3144040" y="2440918"/>
+                </a:lnTo>
+                <a:lnTo>
+                  <a:pt x="0" y="2440918"/>
                 </a:lnTo>
                 <a:lnTo>
                   <a:pt x="0" y="0"/>
@@ -5890,10 +4917,114 @@
             </a:pathLst>
           </a:custGeom>
           <a:blipFill>
-            <a:blip r:embed="rId2">
+            <a:blip r:embed="rId8">
               <a:extLst>
                 <a:ext uri="{96DAC541-7B7A-43D3-8B79-37D633B846F1}">
-                  <asvg:svgBlip xmlns:asvg="http://schemas.microsoft.com/office/drawing/2016/SVG/main" r:embed="rId3"/>
+                  <asvg:svgBlip xmlns:asvg="http://schemas.microsoft.com/office/drawing/2016/SVG/main" r:embed="rId9"/>
+                </a:ext>
+              </a:extLst>
+            </a:blip>
+            <a:stretch>
+              <a:fillRect l="0" t="0" r="0" b="0"/>
+            </a:stretch>
+          </a:blipFill>
+        </p:spPr>
+      </p:sp>
+      <p:sp>
+        <p:nvSpPr>
+          <p:cNvPr name="Freeform 9" id="9"/>
+          <p:cNvSpPr/>
+          <p:nvPr/>
+        </p:nvSpPr>
+        <p:spPr>
+          <a:xfrm flipH="false" flipV="false" rot="0">
+            <a:off x="624872" y="5005800"/>
+            <a:ext cx="1894295" cy="4252500"/>
+          </a:xfrm>
+          <a:custGeom>
+            <a:avLst/>
+            <a:gdLst/>
+            <a:ahLst/>
+            <a:cxnLst/>
+            <a:rect r="r" b="b" t="t" l="l"/>
+            <a:pathLst>
+              <a:path h="4252500" w="1894295">
+                <a:moveTo>
+                  <a:pt x="0" y="0"/>
+                </a:moveTo>
+                <a:lnTo>
+                  <a:pt x="1894295" y="0"/>
+                </a:lnTo>
+                <a:lnTo>
+                  <a:pt x="1894295" y="4252500"/>
+                </a:lnTo>
+                <a:lnTo>
+                  <a:pt x="0" y="4252500"/>
+                </a:lnTo>
+                <a:lnTo>
+                  <a:pt x="0" y="0"/>
+                </a:lnTo>
+                <a:close/>
+              </a:path>
+            </a:pathLst>
+          </a:custGeom>
+          <a:blipFill>
+            <a:blip r:embed="rId10">
+              <a:extLst>
+                <a:ext uri="{96DAC541-7B7A-43D3-8B79-37D633B846F1}">
+                  <asvg:svgBlip xmlns:asvg="http://schemas.microsoft.com/office/drawing/2016/SVG/main" r:embed="rId11"/>
+                </a:ext>
+              </a:extLst>
+            </a:blip>
+            <a:stretch>
+              <a:fillRect l="0" t="0" r="0" b="0"/>
+            </a:stretch>
+          </a:blipFill>
+        </p:spPr>
+      </p:sp>
+      <p:sp>
+        <p:nvSpPr>
+          <p:cNvPr name="Freeform 10" id="10"/>
+          <p:cNvSpPr/>
+          <p:nvPr/>
+        </p:nvSpPr>
+        <p:spPr>
+          <a:xfrm flipH="false" flipV="false" rot="0">
+            <a:off x="4011803" y="7612736"/>
+            <a:ext cx="3486358" cy="4114800"/>
+          </a:xfrm>
+          <a:custGeom>
+            <a:avLst/>
+            <a:gdLst/>
+            <a:ahLst/>
+            <a:cxnLst/>
+            <a:rect r="r" b="b" t="t" l="l"/>
+            <a:pathLst>
+              <a:path h="4114800" w="3486358">
+                <a:moveTo>
+                  <a:pt x="0" y="0"/>
+                </a:moveTo>
+                <a:lnTo>
+                  <a:pt x="3486358" y="0"/>
+                </a:lnTo>
+                <a:lnTo>
+                  <a:pt x="3486358" y="4114800"/>
+                </a:lnTo>
+                <a:lnTo>
+                  <a:pt x="0" y="4114800"/>
+                </a:lnTo>
+                <a:lnTo>
+                  <a:pt x="0" y="0"/>
+                </a:lnTo>
+                <a:close/>
+              </a:path>
+            </a:pathLst>
+          </a:custGeom>
+          <a:blipFill>
+            <a:blip r:embed="rId12">
+              <a:extLst>
+                <a:ext uri="{96DAC541-7B7A-43D3-8B79-37D633B846F1}">
+                  <asvg:svgBlip xmlns:asvg="http://schemas.microsoft.com/office/drawing/2016/SVG/main" r:embed="rId13"/>
                 </a:ext>
               </a:extLst>
             </a:blip>
